--- a/src/Personal-Data-Linkage-Module_Image.pptx
+++ b/src/Personal-Data-Linkage-Module_Image.pptx
@@ -104,6 +104,11 @@
       </a:defRPr>
     </a:lvl9pPr>
   </p:defaultTextStyle>
+  <p:extLst>
+    <p:ext uri="{EFAFB233-063F-42B5-8137-9DF3F51BA10A}">
+      <p15:sldGuideLst xmlns:p15="http://schemas.microsoft.com/office/powerpoint/2012/main"/>
+    </p:ext>
+  </p:extLst>
 </p:presentation>
 </file>
 
@@ -254,7 +259,7 @@
           <a:p>
             <a:fld id="{DCFD0BFC-E316-464B-A0C4-2CD6138E80B1}" type="datetimeFigureOut">
               <a:rPr kumimoji="1" lang="ja-JP" altLang="en-US" smtClean="0"/>
-              <a:t>2023/6/22</a:t>
+              <a:t>2023/6/26</a:t>
             </a:fld>
             <a:endParaRPr kumimoji="1" lang="ja-JP" altLang="en-US"/>
           </a:p>
@@ -484,7 +489,7 @@
           <a:p>
             <a:fld id="{DCFD0BFC-E316-464B-A0C4-2CD6138E80B1}" type="datetimeFigureOut">
               <a:rPr kumimoji="1" lang="ja-JP" altLang="en-US" smtClean="0"/>
-              <a:t>2023/6/22</a:t>
+              <a:t>2023/6/26</a:t>
             </a:fld>
             <a:endParaRPr kumimoji="1" lang="ja-JP" altLang="en-US"/>
           </a:p>
@@ -724,7 +729,7 @@
           <a:p>
             <a:fld id="{DCFD0BFC-E316-464B-A0C4-2CD6138E80B1}" type="datetimeFigureOut">
               <a:rPr kumimoji="1" lang="ja-JP" altLang="en-US" smtClean="0"/>
-              <a:t>2023/6/22</a:t>
+              <a:t>2023/6/26</a:t>
             </a:fld>
             <a:endParaRPr kumimoji="1" lang="ja-JP" altLang="en-US"/>
           </a:p>
@@ -954,7 +959,7 @@
           <a:p>
             <a:fld id="{DCFD0BFC-E316-464B-A0C4-2CD6138E80B1}" type="datetimeFigureOut">
               <a:rPr kumimoji="1" lang="ja-JP" altLang="en-US" smtClean="0"/>
-              <a:t>2023/6/22</a:t>
+              <a:t>2023/6/26</a:t>
             </a:fld>
             <a:endParaRPr kumimoji="1" lang="ja-JP" altLang="en-US"/>
           </a:p>
@@ -1229,7 +1234,7 @@
           <a:p>
             <a:fld id="{DCFD0BFC-E316-464B-A0C4-2CD6138E80B1}" type="datetimeFigureOut">
               <a:rPr kumimoji="1" lang="ja-JP" altLang="en-US" smtClean="0"/>
-              <a:t>2023/6/22</a:t>
+              <a:t>2023/6/26</a:t>
             </a:fld>
             <a:endParaRPr kumimoji="1" lang="ja-JP" altLang="en-US"/>
           </a:p>
@@ -1558,7 +1563,7 @@
           <a:p>
             <a:fld id="{DCFD0BFC-E316-464B-A0C4-2CD6138E80B1}" type="datetimeFigureOut">
               <a:rPr kumimoji="1" lang="ja-JP" altLang="en-US" smtClean="0"/>
-              <a:t>2023/6/22</a:t>
+              <a:t>2023/6/26</a:t>
             </a:fld>
             <a:endParaRPr kumimoji="1" lang="ja-JP" altLang="en-US"/>
           </a:p>
@@ -2034,7 +2039,7 @@
           <a:p>
             <a:fld id="{DCFD0BFC-E316-464B-A0C4-2CD6138E80B1}" type="datetimeFigureOut">
               <a:rPr kumimoji="1" lang="ja-JP" altLang="en-US" smtClean="0"/>
-              <a:t>2023/6/22</a:t>
+              <a:t>2023/6/26</a:t>
             </a:fld>
             <a:endParaRPr kumimoji="1" lang="ja-JP" altLang="en-US"/>
           </a:p>
@@ -2175,7 +2180,7 @@
           <a:p>
             <a:fld id="{DCFD0BFC-E316-464B-A0C4-2CD6138E80B1}" type="datetimeFigureOut">
               <a:rPr kumimoji="1" lang="ja-JP" altLang="en-US" smtClean="0"/>
-              <a:t>2023/6/22</a:t>
+              <a:t>2023/6/26</a:t>
             </a:fld>
             <a:endParaRPr kumimoji="1" lang="ja-JP" altLang="en-US"/>
           </a:p>
@@ -2288,7 +2293,7 @@
           <a:p>
             <a:fld id="{DCFD0BFC-E316-464B-A0C4-2CD6138E80B1}" type="datetimeFigureOut">
               <a:rPr kumimoji="1" lang="ja-JP" altLang="en-US" smtClean="0"/>
-              <a:t>2023/6/22</a:t>
+              <a:t>2023/6/26</a:t>
             </a:fld>
             <a:endParaRPr kumimoji="1" lang="ja-JP" altLang="en-US"/>
           </a:p>
@@ -2631,7 +2636,7 @@
           <a:p>
             <a:fld id="{DCFD0BFC-E316-464B-A0C4-2CD6138E80B1}" type="datetimeFigureOut">
               <a:rPr kumimoji="1" lang="ja-JP" altLang="en-US" smtClean="0"/>
-              <a:t>2023/6/22</a:t>
+              <a:t>2023/6/26</a:t>
             </a:fld>
             <a:endParaRPr kumimoji="1" lang="ja-JP" altLang="en-US"/>
           </a:p>
@@ -2919,7 +2924,7 @@
           <a:p>
             <a:fld id="{DCFD0BFC-E316-464B-A0C4-2CD6138E80B1}" type="datetimeFigureOut">
               <a:rPr kumimoji="1" lang="ja-JP" altLang="en-US" smtClean="0"/>
-              <a:t>2023/6/22</a:t>
+              <a:t>2023/6/26</a:t>
             </a:fld>
             <a:endParaRPr kumimoji="1" lang="ja-JP" altLang="en-US"/>
           </a:p>
@@ -3192,7 +3197,7 @@
           <a:p>
             <a:fld id="{DCFD0BFC-E316-464B-A0C4-2CD6138E80B1}" type="datetimeFigureOut">
               <a:rPr kumimoji="1" lang="ja-JP" altLang="en-US" smtClean="0"/>
-              <a:t>2023/6/22</a:t>
+              <a:t>2023/6/26</a:t>
             </a:fld>
             <a:endParaRPr kumimoji="1" lang="ja-JP" altLang="en-US"/>
           </a:p>
@@ -7440,6 +7445,43 @@
           </p:txBody>
         </p:sp>
       </p:grpSp>
+      <p:sp>
+        <p:nvSpPr>
+          <p:cNvPr id="53" name="タイトル 52">
+            <a:extLst>
+              <a:ext uri="{FF2B5EF4-FFF2-40B4-BE49-F238E27FC236}">
+                <a16:creationId xmlns:a16="http://schemas.microsoft.com/office/drawing/2014/main" id="{68DEC624-1C93-4D1E-A94D-30125DD6BB41}"/>
+              </a:ext>
+            </a:extLst>
+          </p:cNvPr>
+          <p:cNvSpPr>
+            <a:spLocks noGrp="1"/>
+          </p:cNvSpPr>
+          <p:nvPr>
+            <p:ph type="title"/>
+          </p:nvPr>
+        </p:nvSpPr>
+        <p:spPr/>
+        <p:txBody>
+          <a:bodyPr>
+            <a:normAutofit/>
+          </a:bodyPr>
+          <a:lstStyle/>
+          <a:p>
+            <a:r>
+              <a:rPr lang="ja-JP" altLang="en-US" dirty="0"/>
+              <a:t>パーソナルデータ連携モジュールの</a:t>
+            </a:r>
+            <a:br>
+              <a:rPr lang="en-US" altLang="ja-JP" dirty="0"/>
+            </a:br>
+            <a:r>
+              <a:rPr lang="ja-JP" altLang="en-US" dirty="0"/>
+              <a:t>概念図</a:t>
+            </a:r>
+          </a:p>
+        </p:txBody>
+      </p:sp>
     </p:spTree>
     <p:extLst>
       <p:ext uri="{BB962C8B-B14F-4D97-AF65-F5344CB8AC3E}">

--- a/src/Personal-Data-Linkage-Module_Image.pptx
+++ b/src/Personal-Data-Linkage-Module_Image.pptx
@@ -3616,6 +3616,59 @@
       </p:grpSpPr>
       <p:sp>
         <p:nvSpPr>
+          <p:cNvPr id="54" name="正方形/長方形 53">
+            <a:extLst>
+              <a:ext uri="{FF2B5EF4-FFF2-40B4-BE49-F238E27FC236}">
+                <a16:creationId xmlns:a16="http://schemas.microsoft.com/office/drawing/2014/main" id="{71271E22-8E27-4F52-AACA-E49A60460B21}"/>
+              </a:ext>
+            </a:extLst>
+          </p:cNvPr>
+          <p:cNvSpPr/>
+          <p:nvPr/>
+        </p:nvSpPr>
+        <p:spPr bwMode="auto">
+          <a:xfrm>
+            <a:off x="848047" y="2061355"/>
+            <a:ext cx="11118093" cy="4431520"/>
+          </a:xfrm>
+          <a:prstGeom prst="rect">
+            <a:avLst/>
+          </a:prstGeom>
+          <a:solidFill>
+            <a:schemeClr val="bg1"/>
+          </a:solidFill>
+          <a:ln>
+            <a:solidFill>
+              <a:schemeClr val="tx1">
+                <a:lumMod val="50000"/>
+                <a:lumOff val="50000"/>
+              </a:schemeClr>
+            </a:solidFill>
+          </a:ln>
+          <a:effectLst/>
+        </p:spPr>
+        <p:txBody>
+          <a:bodyPr rot="0" spcFirstLastPara="0" vertOverflow="overflow" horzOverflow="overflow" vert="horz" wrap="square" lIns="91440" tIns="45720" rIns="91440" bIns="45720" numCol="1" spcCol="0" rtlCol="0" fromWordArt="0" anchor="ctr" anchorCtr="0" forceAA="0" compatLnSpc="1">
+            <a:prstTxWarp prst="textNoShape">
+              <a:avLst/>
+            </a:prstTxWarp>
+            <a:noAutofit/>
+          </a:bodyPr>
+          <a:lstStyle/>
+          <a:p>
+            <a:pPr algn="ctr"/>
+            <a:endParaRPr kumimoji="1" lang="ja-JP" altLang="en-US">
+              <a:solidFill>
+                <a:schemeClr val="bg1"/>
+              </a:solidFill>
+              <a:latin typeface="+mj-ea"/>
+              <a:ea typeface="+mj-ea"/>
+            </a:endParaRPr>
+          </a:p>
+        </p:txBody>
+      </p:sp>
+      <p:sp>
+        <p:nvSpPr>
           <p:cNvPr id="2" name="テキスト ボックス 1">
             <a:extLst>
               <a:ext uri="{FF2B5EF4-FFF2-40B4-BE49-F238E27FC236}">
@@ -6952,9 +7005,7 @@
             <a:r>
               <a:rPr lang="ja-JP" altLang="en-US" dirty="0">
                 <a:solidFill>
-                  <a:schemeClr val="bg2">
-                    <a:lumMod val="50000"/>
-                  </a:schemeClr>
+                  <a:schemeClr val="tx1"/>
                 </a:solidFill>
               </a:rPr>
               <a:t>機能提供範囲</a:t>
